--- a/workflow.pptx
+++ b/workflow.pptx
@@ -106,6 +106,11 @@
       </a:defRPr>
     </a:lvl9pPr>
   </p:defaultTextStyle>
+  <p:extLst>
+    <p:ext uri="{EFAFB233-063F-42B5-8137-9DF3F51BA10A}">
+      <p15:sldGuideLst xmlns:p15="http://schemas.microsoft.com/office/powerpoint/2012/main"/>
+    </p:ext>
+  </p:extLst>
 </p:presentation>
 </file>
 
@@ -256,7 +261,7 @@
           <a:p>
             <a:fld id="{30D743B9-AD5B-4E86-A582-308667810920}" type="datetimeFigureOut">
               <a:rPr lang="en-US" smtClean="0"/>
-              <a:t>3/27/2025</a:t>
+              <a:t>3/30/2025</a:t>
             </a:fld>
             <a:endParaRPr lang="en-US"/>
           </a:p>
@@ -454,7 +459,7 @@
           <a:p>
             <a:fld id="{30D743B9-AD5B-4E86-A582-308667810920}" type="datetimeFigureOut">
               <a:rPr lang="en-US" smtClean="0"/>
-              <a:t>3/27/2025</a:t>
+              <a:t>3/30/2025</a:t>
             </a:fld>
             <a:endParaRPr lang="en-US"/>
           </a:p>
@@ -662,7 +667,7 @@
           <a:p>
             <a:fld id="{30D743B9-AD5B-4E86-A582-308667810920}" type="datetimeFigureOut">
               <a:rPr lang="en-US" smtClean="0"/>
-              <a:t>3/27/2025</a:t>
+              <a:t>3/30/2025</a:t>
             </a:fld>
             <a:endParaRPr lang="en-US"/>
           </a:p>
@@ -860,7 +865,7 @@
           <a:p>
             <a:fld id="{30D743B9-AD5B-4E86-A582-308667810920}" type="datetimeFigureOut">
               <a:rPr lang="en-US" smtClean="0"/>
-              <a:t>3/27/2025</a:t>
+              <a:t>3/30/2025</a:t>
             </a:fld>
             <a:endParaRPr lang="en-US"/>
           </a:p>
@@ -1135,7 +1140,7 @@
           <a:p>
             <a:fld id="{30D743B9-AD5B-4E86-A582-308667810920}" type="datetimeFigureOut">
               <a:rPr lang="en-US" smtClean="0"/>
-              <a:t>3/27/2025</a:t>
+              <a:t>3/30/2025</a:t>
             </a:fld>
             <a:endParaRPr lang="en-US"/>
           </a:p>
@@ -1400,7 +1405,7 @@
           <a:p>
             <a:fld id="{30D743B9-AD5B-4E86-A582-308667810920}" type="datetimeFigureOut">
               <a:rPr lang="en-US" smtClean="0"/>
-              <a:t>3/27/2025</a:t>
+              <a:t>3/30/2025</a:t>
             </a:fld>
             <a:endParaRPr lang="en-US"/>
           </a:p>
@@ -1812,7 +1817,7 @@
           <a:p>
             <a:fld id="{30D743B9-AD5B-4E86-A582-308667810920}" type="datetimeFigureOut">
               <a:rPr lang="en-US" smtClean="0"/>
-              <a:t>3/27/2025</a:t>
+              <a:t>3/30/2025</a:t>
             </a:fld>
             <a:endParaRPr lang="en-US"/>
           </a:p>
@@ -1953,7 +1958,7 @@
           <a:p>
             <a:fld id="{30D743B9-AD5B-4E86-A582-308667810920}" type="datetimeFigureOut">
               <a:rPr lang="en-US" smtClean="0"/>
-              <a:t>3/27/2025</a:t>
+              <a:t>3/30/2025</a:t>
             </a:fld>
             <a:endParaRPr lang="en-US"/>
           </a:p>
@@ -2066,7 +2071,7 @@
           <a:p>
             <a:fld id="{30D743B9-AD5B-4E86-A582-308667810920}" type="datetimeFigureOut">
               <a:rPr lang="en-US" smtClean="0"/>
-              <a:t>3/27/2025</a:t>
+              <a:t>3/30/2025</a:t>
             </a:fld>
             <a:endParaRPr lang="en-US"/>
           </a:p>
@@ -2377,7 +2382,7 @@
           <a:p>
             <a:fld id="{30D743B9-AD5B-4E86-A582-308667810920}" type="datetimeFigureOut">
               <a:rPr lang="en-US" smtClean="0"/>
-              <a:t>3/27/2025</a:t>
+              <a:t>3/30/2025</a:t>
             </a:fld>
             <a:endParaRPr lang="en-US"/>
           </a:p>
@@ -2665,7 +2670,7 @@
           <a:p>
             <a:fld id="{30D743B9-AD5B-4E86-A582-308667810920}" type="datetimeFigureOut">
               <a:rPr lang="en-US" smtClean="0"/>
-              <a:t>3/27/2025</a:t>
+              <a:t>3/30/2025</a:t>
             </a:fld>
             <a:endParaRPr lang="en-US"/>
           </a:p>
@@ -2906,7 +2911,7 @@
           <a:p>
             <a:fld id="{30D743B9-AD5B-4E86-A582-308667810920}" type="datetimeFigureOut">
               <a:rPr lang="en-US" smtClean="0"/>
-              <a:t>3/27/2025</a:t>
+              <a:t>3/30/2025</a:t>
             </a:fld>
             <a:endParaRPr lang="en-US"/>
           </a:p>
@@ -3539,15 +3544,13 @@
             <a:pPr algn="ctr"/>
             <a:r>
               <a:rPr lang="en-US" dirty="0"/>
-              <a:t>Price/kg</a:t>
-            </a:r>
-          </a:p>
-          <a:p>
-            <a:pPr algn="ctr"/>
-            <a:r>
-              <a:rPr lang="en-US" dirty="0"/>
-              <a:t>Link</a:t>
-            </a:r>
+              <a:t>Price</a:t>
+            </a:r>
+            <a:r>
+              <a:rPr lang="en-US"/>
+              <a:t>/kg</a:t>
+            </a:r>
+            <a:endParaRPr lang="en-US" dirty="0"/>
           </a:p>
           <a:p>
             <a:pPr algn="ctr"/>
@@ -3814,13 +3817,6 @@
             <a:r>
               <a:rPr lang="en-US" dirty="0"/>
               <a:t>price</a:t>
-            </a:r>
-          </a:p>
-          <a:p>
-            <a:pPr algn="ctr"/>
-            <a:r>
-              <a:rPr lang="en-US" dirty="0"/>
-              <a:t>Link</a:t>
             </a:r>
           </a:p>
           <a:p>
